--- a/презентация.pptx
+++ b/презентация.pptx
@@ -282,7 +282,7 @@
           <a:p>
             <a:fld id="{1D8BD707-D9CF-40AE-B4C6-C98DA3205C09}" type="datetimeFigureOut">
               <a:rPr lang="en-US" smtClean="0"/>
-              <a:t>4/22/22</a:t>
+              <a:t>5/11/22</a:t>
             </a:fld>
             <a:endParaRPr lang="en-US"/>
           </a:p>
@@ -480,7 +480,7 @@
           <a:p>
             <a:fld id="{1D8BD707-D9CF-40AE-B4C6-C98DA3205C09}" type="datetimeFigureOut">
               <a:rPr lang="en-US" smtClean="0"/>
-              <a:t>4/22/22</a:t>
+              <a:t>5/11/22</a:t>
             </a:fld>
             <a:endParaRPr lang="en-US"/>
           </a:p>
@@ -688,7 +688,7 @@
           <a:p>
             <a:fld id="{1D8BD707-D9CF-40AE-B4C6-C98DA3205C09}" type="datetimeFigureOut">
               <a:rPr lang="en-US" smtClean="0"/>
-              <a:t>4/22/22</a:t>
+              <a:t>5/11/22</a:t>
             </a:fld>
             <a:endParaRPr lang="en-US"/>
           </a:p>
@@ -834,7 +834,7 @@
           <a:p>
             <a:fld id="{1D8BD707-D9CF-40AE-B4C6-C98DA3205C09}" type="datetimeFigureOut">
               <a:rPr lang="en-US"/>
-              <a:t>4/22/22</a:t>
+              <a:t>5/11/22</a:t>
             </a:fld>
             <a:endParaRPr lang="en-US"/>
           </a:p>
@@ -987,7 +987,7 @@
           <a:p>
             <a:fld id="{1D8BD707-D9CF-40AE-B4C6-C98DA3205C09}" type="datetimeFigureOut">
               <a:rPr lang="en-US"/>
-              <a:t>4/22/22</a:t>
+              <a:t>5/11/22</a:t>
             </a:fld>
             <a:endParaRPr lang="en-US"/>
           </a:p>
@@ -1163,7 +1163,7 @@
           <a:p>
             <a:fld id="{1D8BD707-D9CF-40AE-B4C6-C98DA3205C09}" type="datetimeFigureOut">
               <a:rPr lang="en-US" smtClean="0"/>
-              <a:t>4/22/22</a:t>
+              <a:t>5/11/22</a:t>
             </a:fld>
             <a:endParaRPr lang="en-US"/>
           </a:p>
@@ -1438,7 +1438,7 @@
           <a:p>
             <a:fld id="{1D8BD707-D9CF-40AE-B4C6-C98DA3205C09}" type="datetimeFigureOut">
               <a:rPr lang="en-US" smtClean="0"/>
-              <a:t>4/22/22</a:t>
+              <a:t>5/11/22</a:t>
             </a:fld>
             <a:endParaRPr lang="en-US"/>
           </a:p>
@@ -1703,7 +1703,7 @@
           <a:p>
             <a:fld id="{1D8BD707-D9CF-40AE-B4C6-C98DA3205C09}" type="datetimeFigureOut">
               <a:rPr lang="en-US" smtClean="0"/>
-              <a:t>4/22/22</a:t>
+              <a:t>5/11/22</a:t>
             </a:fld>
             <a:endParaRPr lang="en-US"/>
           </a:p>
@@ -2115,7 +2115,7 @@
           <a:p>
             <a:fld id="{1D8BD707-D9CF-40AE-B4C6-C98DA3205C09}" type="datetimeFigureOut">
               <a:rPr lang="en-US" smtClean="0"/>
-              <a:t>4/22/22</a:t>
+              <a:t>5/11/22</a:t>
             </a:fld>
             <a:endParaRPr lang="en-US"/>
           </a:p>
@@ -2256,7 +2256,7 @@
           <a:p>
             <a:fld id="{1D8BD707-D9CF-40AE-B4C6-C98DA3205C09}" type="datetimeFigureOut">
               <a:rPr lang="en-US" smtClean="0"/>
-              <a:t>4/22/22</a:t>
+              <a:t>5/11/22</a:t>
             </a:fld>
             <a:endParaRPr lang="en-US"/>
           </a:p>
@@ -2369,7 +2369,7 @@
           <a:p>
             <a:fld id="{1D8BD707-D9CF-40AE-B4C6-C98DA3205C09}" type="datetimeFigureOut">
               <a:rPr lang="en-US" smtClean="0"/>
-              <a:t>4/22/22</a:t>
+              <a:t>5/11/22</a:t>
             </a:fld>
             <a:endParaRPr lang="en-US"/>
           </a:p>
@@ -2680,7 +2680,7 @@
           <a:p>
             <a:fld id="{1D8BD707-D9CF-40AE-B4C6-C98DA3205C09}" type="datetimeFigureOut">
               <a:rPr lang="en-US" smtClean="0"/>
-              <a:t>4/22/22</a:t>
+              <a:t>5/11/22</a:t>
             </a:fld>
             <a:endParaRPr lang="en-US"/>
           </a:p>
@@ -2968,7 +2968,7 @@
           <a:p>
             <a:fld id="{1D8BD707-D9CF-40AE-B4C6-C98DA3205C09}" type="datetimeFigureOut">
               <a:rPr lang="en-US" smtClean="0"/>
-              <a:t>4/22/22</a:t>
+              <a:t>5/11/22</a:t>
             </a:fld>
             <a:endParaRPr lang="en-US"/>
           </a:p>
@@ -3239,7 +3239,7 @@
           <a:p>
             <a:fld id="{1D8BD707-D9CF-40AE-B4C6-C98DA3205C09}" type="datetimeFigureOut">
               <a:rPr lang="en-US" smtClean="0"/>
-              <a:t>4/22/22</a:t>
+              <a:t>5/11/22</a:t>
             </a:fld>
             <a:endParaRPr lang="en-US"/>
           </a:p>
@@ -5343,6 +5343,149 @@
           </a:p>
         </p:txBody>
       </p:sp>
+      <p:pic>
+        <p:nvPicPr>
+          <p:cNvPr id="9" name="Рисунок 8" descr="Изображение выглядит как текст&#10;&#10;Автоматически созданное описание">
+            <a:extLst>
+              <a:ext uri="{FF2B5EF4-FFF2-40B4-BE49-F238E27FC236}">
+                <a16:creationId xmlns:a16="http://schemas.microsoft.com/office/drawing/2014/main" id="{961603CD-A9A2-D246-A1FB-87A8AD32E61F}"/>
+              </a:ext>
+            </a:extLst>
+          </p:cNvPr>
+          <p:cNvPicPr>
+            <a:picLocks noChangeAspect="1"/>
+          </p:cNvPicPr>
+          <p:nvPr/>
+        </p:nvPicPr>
+        <p:blipFill>
+          <a:blip r:embed="rId2">
+            <a:extLst>
+              <a:ext uri="{28A0092B-C50C-407E-A947-70E740481C1C}">
+                <a14:useLocalDpi xmlns:a14="http://schemas.microsoft.com/office/drawing/2010/main" val="0"/>
+              </a:ext>
+            </a:extLst>
+          </a:blip>
+          <a:stretch>
+            <a:fillRect/>
+          </a:stretch>
+        </p:blipFill>
+        <p:spPr>
+          <a:xfrm>
+            <a:off x="788404" y="1347215"/>
+            <a:ext cx="8088088" cy="4212546"/>
+          </a:xfrm>
+          <a:prstGeom prst="rect">
+            <a:avLst/>
+          </a:prstGeom>
+        </p:spPr>
+      </p:pic>
+      <p:pic>
+        <p:nvPicPr>
+          <p:cNvPr id="11" name="Рисунок 10">
+            <a:extLst>
+              <a:ext uri="{FF2B5EF4-FFF2-40B4-BE49-F238E27FC236}">
+                <a16:creationId xmlns:a16="http://schemas.microsoft.com/office/drawing/2014/main" id="{CBC0D870-658D-B349-A283-BA61D79FF670}"/>
+              </a:ext>
+            </a:extLst>
+          </p:cNvPr>
+          <p:cNvPicPr>
+            <a:picLocks noChangeAspect="1"/>
+          </p:cNvPicPr>
+          <p:nvPr/>
+        </p:nvPicPr>
+        <p:blipFill>
+          <a:blip r:embed="rId3">
+            <a:extLst>
+              <a:ext uri="{28A0092B-C50C-407E-A947-70E740481C1C}">
+                <a14:useLocalDpi xmlns:a14="http://schemas.microsoft.com/office/drawing/2010/main" val="0"/>
+              </a:ext>
+            </a:extLst>
+          </a:blip>
+          <a:stretch>
+            <a:fillRect/>
+          </a:stretch>
+        </p:blipFill>
+        <p:spPr>
+          <a:xfrm>
+            <a:off x="9388648" y="1322895"/>
+            <a:ext cx="8088088" cy="4212546"/>
+          </a:xfrm>
+          <a:prstGeom prst="rect">
+            <a:avLst/>
+          </a:prstGeom>
+        </p:spPr>
+      </p:pic>
+      <p:pic>
+        <p:nvPicPr>
+          <p:cNvPr id="12" name="Рисунок 11" descr="Изображение выглядит как текст&#10;&#10;Автоматически созданное описание">
+            <a:extLst>
+              <a:ext uri="{FF2B5EF4-FFF2-40B4-BE49-F238E27FC236}">
+                <a16:creationId xmlns:a16="http://schemas.microsoft.com/office/drawing/2014/main" id="{813EEF48-1F18-2A4E-AC26-E2B821AAAA46}"/>
+              </a:ext>
+            </a:extLst>
+          </p:cNvPr>
+          <p:cNvPicPr>
+            <a:picLocks noChangeAspect="1"/>
+          </p:cNvPicPr>
+          <p:nvPr/>
+        </p:nvPicPr>
+        <p:blipFill>
+          <a:blip r:embed="rId4" cstate="print">
+            <a:extLst>
+              <a:ext uri="{28A0092B-C50C-407E-A947-70E740481C1C}">
+                <a14:useLocalDpi xmlns:a14="http://schemas.microsoft.com/office/drawing/2010/main" val="0"/>
+              </a:ext>
+            </a:extLst>
+          </a:blip>
+          <a:stretch>
+            <a:fillRect/>
+          </a:stretch>
+        </p:blipFill>
+        <p:spPr>
+          <a:xfrm>
+            <a:off x="788404" y="6020162"/>
+            <a:ext cx="8073518" cy="3847738"/>
+          </a:xfrm>
+          <a:prstGeom prst="rect">
+            <a:avLst/>
+          </a:prstGeom>
+        </p:spPr>
+      </p:pic>
+      <p:pic>
+        <p:nvPicPr>
+          <p:cNvPr id="14" name="Рисунок 13">
+            <a:extLst>
+              <a:ext uri="{FF2B5EF4-FFF2-40B4-BE49-F238E27FC236}">
+                <a16:creationId xmlns:a16="http://schemas.microsoft.com/office/drawing/2014/main" id="{61EBD9DF-F92E-2547-934E-98C6F770CE2C}"/>
+              </a:ext>
+            </a:extLst>
+          </p:cNvPr>
+          <p:cNvPicPr>
+            <a:picLocks noChangeAspect="1"/>
+          </p:cNvPicPr>
+          <p:nvPr/>
+        </p:nvPicPr>
+        <p:blipFill rotWithShape="1">
+          <a:blip r:embed="rId5">
+            <a:extLst>
+              <a:ext uri="{28A0092B-C50C-407E-A947-70E740481C1C}">
+                <a14:useLocalDpi xmlns:a14="http://schemas.microsoft.com/office/drawing/2010/main" val="0"/>
+              </a:ext>
+            </a:extLst>
+          </a:blip>
+          <a:srcRect l="29104" t="32556" r="29225" b="31813"/>
+          <a:stretch/>
+        </p:blipFill>
+        <p:spPr>
+          <a:xfrm>
+            <a:off x="9448940" y="6246235"/>
+            <a:ext cx="7805322" cy="3469032"/>
+          </a:xfrm>
+          <a:prstGeom prst="rect">
+            <a:avLst/>
+          </a:prstGeom>
+        </p:spPr>
+      </p:pic>
     </p:spTree>
     <p:extLst>
       <p:ext uri="{BB962C8B-B14F-4D97-AF65-F5344CB8AC3E}">
@@ -6553,7 +6696,7 @@
         </p:nvGrpSpPr>
         <p:grpSpPr>
           <a:xfrm>
-            <a:off x="11416924" y="3417563"/>
+            <a:off x="10210800" y="3417563"/>
             <a:ext cx="1122680" cy="1095375"/>
             <a:chOff x="11416924" y="3417563"/>
             <a:chExt cx="1122680" cy="1095375"/>
@@ -7585,7 +7728,7 @@
         </p:nvGrpSpPr>
         <p:grpSpPr>
           <a:xfrm>
-            <a:off x="11430589" y="4804966"/>
+            <a:off x="10210800" y="4830445"/>
             <a:ext cx="1097280" cy="1075055"/>
             <a:chOff x="11430589" y="4804966"/>
             <a:chExt cx="1097280" cy="1075055"/>
@@ -8154,7 +8297,7 @@
         </p:blipFill>
         <p:spPr>
           <a:xfrm>
-            <a:off x="11235400" y="8821108"/>
+            <a:off x="10040134" y="8840408"/>
             <a:ext cx="1485899" cy="1095374"/>
           </a:xfrm>
           <a:prstGeom prst="rect">
@@ -8176,7 +8319,7 @@
         </p:blipFill>
         <p:spPr>
           <a:xfrm>
-            <a:off x="11482367" y="6764005"/>
+            <a:off x="10287000" y="6764005"/>
             <a:ext cx="990599" cy="1123949"/>
           </a:xfrm>
           <a:prstGeom prst="rect">
@@ -9090,8 +9233,8 @@
         </p:nvSpPr>
         <p:spPr>
           <a:xfrm>
-            <a:off x="8594729" y="1364038"/>
-            <a:ext cx="8787130" cy="2017395"/>
+            <a:off x="8001000" y="800100"/>
+            <a:ext cx="8787130" cy="2568139"/>
           </a:xfrm>
           <a:prstGeom prst="rect">
             <a:avLst/>
@@ -9112,39 +9255,53 @@
               </a:spcBef>
             </a:pPr>
             <a:r>
+              <a:rPr sz="3400" spc="-15" dirty="0" err="1">
+                <a:latin typeface=""/>
+                <a:cs typeface="Microsoft Sans Serif"/>
+              </a:rPr>
+              <a:t>Сервис</a:t>
+            </a:r>
+            <a:r>
               <a:rPr sz="3400" spc="-15" dirty="0">
                 <a:latin typeface=""/>
                 <a:cs typeface="Microsoft Sans Serif"/>
               </a:rPr>
-              <a:t>Сервис </a:t>
-            </a:r>
-            <a:r>
-              <a:rPr sz="3400" spc="-70" dirty="0">
-                <a:latin typeface=""/>
-                <a:cs typeface="Microsoft Sans Serif"/>
-              </a:rPr>
-              <a:t>будет </a:t>
-            </a:r>
-            <a:r>
-              <a:rPr sz="3400" spc="15" dirty="0">
-                <a:latin typeface=""/>
-                <a:cs typeface="Microsoft Sans Serif"/>
-              </a:rPr>
-              <a:t>распространяться </a:t>
-            </a:r>
-            <a:r>
-              <a:rPr sz="3400" spc="120" dirty="0">
-                <a:latin typeface=""/>
-                <a:cs typeface="Microsoft Sans Serif"/>
-              </a:rPr>
-              <a:t>по </a:t>
+              <a:t> </a:t>
+            </a:r>
+            <a:r>
+              <a:rPr lang="ru-RU" sz="3400" spc="-70" dirty="0">
+                <a:latin typeface=""/>
+                <a:cs typeface="Microsoft Sans Serif"/>
+              </a:rPr>
+              <a:t>распространяется </a:t>
+            </a:r>
+            <a:r>
+              <a:rPr sz="3400" spc="120" dirty="0" err="1">
+                <a:latin typeface=""/>
+                <a:cs typeface="Microsoft Sans Serif"/>
+              </a:rPr>
+              <a:t>по</a:t>
+            </a:r>
+            <a:r>
+              <a:rPr lang="ru-RU" sz="3400" spc="120" dirty="0">
+                <a:latin typeface=""/>
+                <a:cs typeface="Microsoft Sans Serif"/>
+              </a:rPr>
+              <a:t> </a:t>
+            </a:r>
+            <a:r>
+              <a:rPr sz="3400" spc="-30" dirty="0" err="1">
+                <a:latin typeface=""/>
+                <a:cs typeface="Microsoft Sans Serif"/>
+              </a:rPr>
+              <a:t>модели</a:t>
             </a:r>
             <a:r>
               <a:rPr sz="3400" spc="-30" dirty="0">
                 <a:latin typeface=""/>
                 <a:cs typeface="Microsoft Sans Serif"/>
               </a:rPr>
-              <a:t>модели </a:t>
+              <a:t> </a:t>
             </a:r>
             <a:r>
               <a:rPr sz="3400" spc="-890" dirty="0">
@@ -9168,7 +9325,7 @@
               <a:t> </a:t>
             </a:r>
             <a:r>
-              <a:rPr sz="3400" spc="114" dirty="0">
+              <a:rPr sz="3400" spc="114" dirty="0" err="1">
                 <a:latin typeface=""/>
                 <a:cs typeface="Microsoft Sans Serif"/>
               </a:rPr>
@@ -9182,11 +9339,18 @@
               <a:t> </a:t>
             </a:r>
             <a:r>
-              <a:rPr sz="3400" spc="-10" dirty="0">
-                <a:latin typeface=""/>
-                <a:cs typeface="Microsoft Sans Serif"/>
-              </a:rPr>
-              <a:t>сегменте</a:t>
+              <a:rPr sz="3400" spc="-10" dirty="0" err="1">
+                <a:latin typeface=""/>
+                <a:cs typeface="Microsoft Sans Serif"/>
+              </a:rPr>
+              <a:t>сегмент</a:t>
+            </a:r>
+            <a:r>
+              <a:rPr lang="ru-RU" sz="3400" spc="-10" dirty="0">
+                <a:latin typeface=""/>
+                <a:cs typeface="Microsoft Sans Serif"/>
+              </a:rPr>
+              <a:t>ах</a:t>
             </a:r>
             <a:r>
               <a:rPr sz="3400" spc="-30" dirty="0">
@@ -9216,42 +9380,56 @@
               </a:rPr>
               <a:t>B2G</a:t>
             </a:r>
-            <a:endParaRPr sz="3400" dirty="0">
-              <a:latin typeface=""/>
-              <a:cs typeface="Microsoft Sans Serif"/>
-            </a:endParaRPr>
+            <a:r>
+              <a:rPr lang="ru-RU" sz="3400" spc="-95" dirty="0">
+                <a:latin typeface=""/>
+                <a:cs typeface="Microsoft Sans Serif"/>
+              </a:rPr>
+              <a:t> </a:t>
+            </a:r>
+          </a:p>
+          <a:p>
+            <a:pPr marL="1765935" marR="5080" indent="-1753870">
+              <a:spcBef>
+                <a:spcPts val="100"/>
+              </a:spcBef>
+            </a:pPr>
+            <a:r>
+              <a:rPr lang="ru-RU" sz="3400" spc="-95" dirty="0">
+                <a:latin typeface=""/>
+                <a:cs typeface="Microsoft Sans Serif"/>
+              </a:rPr>
+              <a:t>(~ 1000 пользователей в настоящий момент)</a:t>
+            </a:r>
           </a:p>
           <a:p>
             <a:pPr marL="297180">
-              <a:lnSpc>
-                <a:spcPct val="100000"/>
-              </a:lnSpc>
               <a:spcBef>
                 <a:spcPts val="2155"/>
               </a:spcBef>
             </a:pPr>
             <a:r>
-              <a:rPr sz="3400" spc="50" dirty="0">
+              <a:rPr lang="ru-RU" sz="3400" spc="50" dirty="0">
                 <a:latin typeface=""/>
                 <a:cs typeface="Microsoft Sans Serif"/>
               </a:rPr>
               <a:t>Потенциальный</a:t>
             </a:r>
             <a:r>
-              <a:rPr sz="3400" spc="-55" dirty="0">
+              <a:rPr lang="ru-RU" sz="3400" spc="-55" dirty="0">
                 <a:latin typeface=""/>
                 <a:cs typeface="Microsoft Sans Serif"/>
               </a:rPr>
               <a:t> </a:t>
             </a:r>
             <a:r>
-              <a:rPr sz="3400" spc="55" dirty="0">
+              <a:rPr lang="ru-RU" sz="3400" spc="55" dirty="0">
                 <a:latin typeface=""/>
                 <a:cs typeface="Microsoft Sans Serif"/>
               </a:rPr>
               <a:t>рынок</a:t>
             </a:r>
-            <a:endParaRPr sz="3400" dirty="0">
+            <a:endParaRPr lang="ru-RU" sz="3400" dirty="0">
               <a:latin typeface=""/>
               <a:cs typeface="Microsoft Sans Serif"/>
             </a:endParaRPr>
@@ -9266,7 +9444,7 @@
         </p:nvSpPr>
         <p:spPr>
           <a:xfrm>
-            <a:off x="12823896" y="3412808"/>
+            <a:off x="11811000" y="3412808"/>
             <a:ext cx="4893945" cy="2393315"/>
           </a:xfrm>
           <a:prstGeom prst="rect">
@@ -9343,7 +9521,7 @@
               </a:rPr>
               <a:t>учреждений</a:t>
             </a:r>
-            <a:endParaRPr sz="2800">
+            <a:endParaRPr sz="2800" dirty="0">
               <a:latin typeface=""/>
               <a:cs typeface="Microsoft Sans Serif"/>
             </a:endParaRPr>
@@ -9392,7 +9570,7 @@
               </a:rPr>
               <a:t>организаций</a:t>
             </a:r>
-            <a:endParaRPr sz="2800">
+            <a:endParaRPr sz="2800" dirty="0">
               <a:latin typeface=""/>
               <a:cs typeface="Microsoft Sans Serif"/>
             </a:endParaRPr>
@@ -9407,7 +9585,7 @@
         </p:nvSpPr>
         <p:spPr>
           <a:xfrm>
-            <a:off x="8892865" y="5856578"/>
+            <a:off x="8147685" y="5955665"/>
             <a:ext cx="9073515" cy="4217035"/>
           </a:xfrm>
           <a:prstGeom prst="rect">
@@ -9429,11 +9607,25 @@
               </a:spcBef>
             </a:pPr>
             <a:r>
-              <a:rPr sz="3400" spc="10" dirty="0">
-                <a:latin typeface=""/>
-                <a:cs typeface="Microsoft Sans Serif"/>
-              </a:rPr>
-              <a:t>Потенциальнаядоля</a:t>
+              <a:rPr sz="3400" spc="10" dirty="0" err="1">
+                <a:latin typeface=""/>
+                <a:cs typeface="Microsoft Sans Serif"/>
+              </a:rPr>
+              <a:t>Потенциальная</a:t>
+            </a:r>
+            <a:r>
+              <a:rPr lang="ru-RU" sz="3400" spc="10" dirty="0">
+                <a:latin typeface=""/>
+                <a:cs typeface="Microsoft Sans Serif"/>
+              </a:rPr>
+              <a:t> </a:t>
+            </a:r>
+            <a:r>
+              <a:rPr sz="3400" spc="10" dirty="0" err="1">
+                <a:latin typeface=""/>
+                <a:cs typeface="Microsoft Sans Serif"/>
+              </a:rPr>
+              <a:t>доля</a:t>
             </a:r>
             <a:r>
               <a:rPr sz="3400" spc="-50" dirty="0">

--- a/презентация.pptx
+++ b/презентация.pptx
@@ -15471,28 +15471,6 @@
           </a:p>
         </p:txBody>
       </p:sp>
-      <p:pic>
-        <p:nvPicPr>
-          <p:cNvPr id="10" name="object 10"/>
-          <p:cNvPicPr/>
-          <p:nvPr/>
-        </p:nvPicPr>
-        <p:blipFill>
-          <a:blip r:embed="rId2" cstate="print"/>
-          <a:stretch>
-            <a:fillRect/>
-          </a:stretch>
-        </p:blipFill>
-        <p:spPr>
-          <a:xfrm>
-            <a:off x="8790741" y="1551360"/>
-            <a:ext cx="8143874" cy="5267324"/>
-          </a:xfrm>
-          <a:prstGeom prst="rect">
-            <a:avLst/>
-          </a:prstGeom>
-        </p:spPr>
-      </p:pic>
       <p:sp>
         <p:nvSpPr>
           <p:cNvPr id="11" name="object 11"/>
@@ -15829,7 +15807,7 @@
           <p:nvPr/>
         </p:nvPicPr>
         <p:blipFill>
-          <a:blip r:embed="rId3">
+          <a:blip r:embed="rId2">
             <a:extLst>
               <a:ext uri="{28A0092B-C50C-407E-A947-70E740481C1C}">
                 <a14:useLocalDpi xmlns:a14="http://schemas.microsoft.com/office/drawing/2010/main" val="0"/>
@@ -15844,6 +15822,36 @@
           <a:xfrm>
             <a:off x="2347850" y="2552700"/>
             <a:ext cx="5195949" cy="6180604"/>
+          </a:xfrm>
+          <a:prstGeom prst="rect">
+            <a:avLst/>
+          </a:prstGeom>
+        </p:spPr>
+      </p:pic>
+      <p:pic>
+        <p:nvPicPr>
+          <p:cNvPr id="5" name="Рисунок 4">
+            <a:extLst>
+              <a:ext uri="{FF2B5EF4-FFF2-40B4-BE49-F238E27FC236}">
+                <a16:creationId xmlns:a16="http://schemas.microsoft.com/office/drawing/2014/main" id="{9DE40366-4174-3841-9C2B-B6F5E51A0830}"/>
+              </a:ext>
+            </a:extLst>
+          </p:cNvPr>
+          <p:cNvPicPr>
+            <a:picLocks noChangeAspect="1"/>
+          </p:cNvPicPr>
+          <p:nvPr/>
+        </p:nvPicPr>
+        <p:blipFill>
+          <a:blip r:embed="rId3"/>
+          <a:stretch>
+            <a:fillRect/>
+          </a:stretch>
+        </p:blipFill>
+        <p:spPr>
+          <a:xfrm>
+            <a:off x="9351127" y="1550031"/>
+            <a:ext cx="7023099" cy="5267324"/>
           </a:xfrm>
           <a:prstGeom prst="rect">
             <a:avLst/>

--- a/презентация.pptx
+++ b/презентация.pptx
@@ -282,7 +282,7 @@
           <a:p>
             <a:fld id="{1D8BD707-D9CF-40AE-B4C6-C98DA3205C09}" type="datetimeFigureOut">
               <a:rPr lang="en-US" smtClean="0"/>
-              <a:t>5/11/22</a:t>
+              <a:t>5/20/22</a:t>
             </a:fld>
             <a:endParaRPr lang="en-US"/>
           </a:p>
@@ -480,7 +480,7 @@
           <a:p>
             <a:fld id="{1D8BD707-D9CF-40AE-B4C6-C98DA3205C09}" type="datetimeFigureOut">
               <a:rPr lang="en-US" smtClean="0"/>
-              <a:t>5/11/22</a:t>
+              <a:t>5/20/22</a:t>
             </a:fld>
             <a:endParaRPr lang="en-US"/>
           </a:p>
@@ -688,7 +688,7 @@
           <a:p>
             <a:fld id="{1D8BD707-D9CF-40AE-B4C6-C98DA3205C09}" type="datetimeFigureOut">
               <a:rPr lang="en-US" smtClean="0"/>
-              <a:t>5/11/22</a:t>
+              <a:t>5/20/22</a:t>
             </a:fld>
             <a:endParaRPr lang="en-US"/>
           </a:p>
@@ -834,7 +834,7 @@
           <a:p>
             <a:fld id="{1D8BD707-D9CF-40AE-B4C6-C98DA3205C09}" type="datetimeFigureOut">
               <a:rPr lang="en-US"/>
-              <a:t>5/11/22</a:t>
+              <a:t>5/20/22</a:t>
             </a:fld>
             <a:endParaRPr lang="en-US"/>
           </a:p>
@@ -987,7 +987,7 @@
           <a:p>
             <a:fld id="{1D8BD707-D9CF-40AE-B4C6-C98DA3205C09}" type="datetimeFigureOut">
               <a:rPr lang="en-US"/>
-              <a:t>5/11/22</a:t>
+              <a:t>5/20/22</a:t>
             </a:fld>
             <a:endParaRPr lang="en-US"/>
           </a:p>
@@ -1163,7 +1163,7 @@
           <a:p>
             <a:fld id="{1D8BD707-D9CF-40AE-B4C6-C98DA3205C09}" type="datetimeFigureOut">
               <a:rPr lang="en-US" smtClean="0"/>
-              <a:t>5/11/22</a:t>
+              <a:t>5/20/22</a:t>
             </a:fld>
             <a:endParaRPr lang="en-US"/>
           </a:p>
@@ -1438,7 +1438,7 @@
           <a:p>
             <a:fld id="{1D8BD707-D9CF-40AE-B4C6-C98DA3205C09}" type="datetimeFigureOut">
               <a:rPr lang="en-US" smtClean="0"/>
-              <a:t>5/11/22</a:t>
+              <a:t>5/20/22</a:t>
             </a:fld>
             <a:endParaRPr lang="en-US"/>
           </a:p>
@@ -1703,7 +1703,7 @@
           <a:p>
             <a:fld id="{1D8BD707-D9CF-40AE-B4C6-C98DA3205C09}" type="datetimeFigureOut">
               <a:rPr lang="en-US" smtClean="0"/>
-              <a:t>5/11/22</a:t>
+              <a:t>5/20/22</a:t>
             </a:fld>
             <a:endParaRPr lang="en-US"/>
           </a:p>
@@ -2115,7 +2115,7 @@
           <a:p>
             <a:fld id="{1D8BD707-D9CF-40AE-B4C6-C98DA3205C09}" type="datetimeFigureOut">
               <a:rPr lang="en-US" smtClean="0"/>
-              <a:t>5/11/22</a:t>
+              <a:t>5/20/22</a:t>
             </a:fld>
             <a:endParaRPr lang="en-US"/>
           </a:p>
@@ -2256,7 +2256,7 @@
           <a:p>
             <a:fld id="{1D8BD707-D9CF-40AE-B4C6-C98DA3205C09}" type="datetimeFigureOut">
               <a:rPr lang="en-US" smtClean="0"/>
-              <a:t>5/11/22</a:t>
+              <a:t>5/20/22</a:t>
             </a:fld>
             <a:endParaRPr lang="en-US"/>
           </a:p>
@@ -2369,7 +2369,7 @@
           <a:p>
             <a:fld id="{1D8BD707-D9CF-40AE-B4C6-C98DA3205C09}" type="datetimeFigureOut">
               <a:rPr lang="en-US" smtClean="0"/>
-              <a:t>5/11/22</a:t>
+              <a:t>5/20/22</a:t>
             </a:fld>
             <a:endParaRPr lang="en-US"/>
           </a:p>
@@ -2680,7 +2680,7 @@
           <a:p>
             <a:fld id="{1D8BD707-D9CF-40AE-B4C6-C98DA3205C09}" type="datetimeFigureOut">
               <a:rPr lang="en-US" smtClean="0"/>
-              <a:t>5/11/22</a:t>
+              <a:t>5/20/22</a:t>
             </a:fld>
             <a:endParaRPr lang="en-US"/>
           </a:p>
@@ -2968,7 +2968,7 @@
           <a:p>
             <a:fld id="{1D8BD707-D9CF-40AE-B4C6-C98DA3205C09}" type="datetimeFigureOut">
               <a:rPr lang="en-US" smtClean="0"/>
-              <a:t>5/11/22</a:t>
+              <a:t>5/20/22</a:t>
             </a:fld>
             <a:endParaRPr lang="en-US"/>
           </a:p>
@@ -3239,7 +3239,7 @@
           <a:p>
             <a:fld id="{1D8BD707-D9CF-40AE-B4C6-C98DA3205C09}" type="datetimeFigureOut">
               <a:rPr lang="en-US" smtClean="0"/>
-              <a:t>5/11/22</a:t>
+              <a:t>5/20/22</a:t>
             </a:fld>
             <a:endParaRPr lang="en-US"/>
           </a:p>
@@ -8361,35 +8361,14 @@
               </a:spcBef>
             </a:pPr>
             <a:r>
-              <a:rPr sz="6000" spc="290" dirty="0">
-                <a:latin typeface=""/>
-              </a:rPr>
-              <a:t>Р</a:t>
-            </a:r>
-            <a:r>
-              <a:rPr sz="6000" spc="300" dirty="0">
-                <a:latin typeface=""/>
-              </a:rPr>
-              <a:t>ы</a:t>
-            </a:r>
-            <a:r>
-              <a:rPr sz="6000" spc="140" dirty="0">
-                <a:latin typeface=""/>
-              </a:rPr>
-              <a:t>н</a:t>
-            </a:r>
-            <a:r>
-              <a:rPr sz="6000" spc="70" dirty="0">
-                <a:latin typeface=""/>
-              </a:rPr>
-              <a:t>о</a:t>
-            </a:r>
-            <a:r>
-              <a:rPr sz="6000" spc="-30" dirty="0">
-                <a:latin typeface=""/>
-              </a:rPr>
-              <a:t>к</a:t>
-            </a:r>
+              <a:rPr lang="ru-RU" sz="6000" spc="290" dirty="0">
+                <a:latin typeface=""/>
+              </a:rPr>
+              <a:t>Анализ рынка</a:t>
+            </a:r>
+            <a:endParaRPr sz="6000" spc="-30" dirty="0">
+              <a:latin typeface=""/>
+            </a:endParaRPr>
           </a:p>
         </p:txBody>
       </p:sp>
@@ -13995,28 +13974,6 @@
           </a:p>
         </p:txBody>
       </p:sp>
-      <p:pic>
-        <p:nvPicPr>
-          <p:cNvPr id="7" name="object 7"/>
-          <p:cNvPicPr/>
-          <p:nvPr/>
-        </p:nvPicPr>
-        <p:blipFill>
-          <a:blip r:embed="rId2" cstate="print"/>
-          <a:stretch>
-            <a:fillRect/>
-          </a:stretch>
-        </p:blipFill>
-        <p:spPr>
-          <a:xfrm>
-            <a:off x="572034" y="2257426"/>
-            <a:ext cx="17325974" cy="7000874"/>
-          </a:xfrm>
-          <a:prstGeom prst="rect">
-            <a:avLst/>
-          </a:prstGeom>
-        </p:spPr>
-      </p:pic>
       <p:sp>
         <p:nvSpPr>
           <p:cNvPr id="2" name="object 2"/>
@@ -14230,6 +14187,42 @@
           </a:p>
         </p:txBody>
       </p:sp>
+      <p:pic>
+        <p:nvPicPr>
+          <p:cNvPr id="11" name="Рисунок 10">
+            <a:extLst>
+              <a:ext uri="{FF2B5EF4-FFF2-40B4-BE49-F238E27FC236}">
+                <a16:creationId xmlns:a16="http://schemas.microsoft.com/office/drawing/2014/main" id="{2E234F46-FFA9-4A4F-97D6-B0D95E682309}"/>
+              </a:ext>
+            </a:extLst>
+          </p:cNvPr>
+          <p:cNvPicPr>
+            <a:picLocks noChangeAspect="1"/>
+          </p:cNvPicPr>
+          <p:nvPr/>
+        </p:nvPicPr>
+        <p:blipFill>
+          <a:blip r:embed="rId2">
+            <a:extLst>
+              <a:ext uri="{28A0092B-C50C-407E-A947-70E740481C1C}">
+                <a14:useLocalDpi xmlns:a14="http://schemas.microsoft.com/office/drawing/2010/main" val="0"/>
+              </a:ext>
+            </a:extLst>
+          </a:blip>
+          <a:stretch>
+            <a:fillRect/>
+          </a:stretch>
+        </p:blipFill>
+        <p:spPr>
+          <a:xfrm>
+            <a:off x="1054100" y="1943100"/>
+            <a:ext cx="16179800" cy="8343900"/>
+          </a:xfrm>
+          <a:prstGeom prst="rect">
+            <a:avLst/>
+          </a:prstGeom>
+        </p:spPr>
+      </p:pic>
     </p:spTree>
   </p:cSld>
   <p:clrMapOvr>
@@ -15483,8 +15476,8 @@
         </p:nvSpPr>
         <p:spPr>
           <a:xfrm>
-            <a:off x="0" y="219025"/>
-            <a:ext cx="18287999" cy="939800"/>
+            <a:off x="0" y="-190500"/>
+            <a:ext cx="18287999" cy="1859483"/>
           </a:xfrm>
           <a:prstGeom prst="rect">
             <a:avLst/>
@@ -15525,13 +15518,58 @@
               <a:t> </a:t>
             </a:r>
             <a:r>
-              <a:rPr sz="6000" spc="-80" dirty="0">
+              <a:rPr sz="6000" spc="-80" dirty="0" err="1">
                 <a:solidFill>
                   <a:schemeClr val="tx1"/>
                 </a:solidFill>
                 <a:latin typeface=""/>
               </a:rPr>
-              <a:t>классификатор</a:t>
+              <a:t>клас</a:t>
+            </a:r>
+            <a:r>
+              <a:rPr lang="ru-RU" sz="6000" spc="-80" dirty="0">
+                <a:solidFill>
+                  <a:schemeClr val="tx1"/>
+                </a:solidFill>
+                <a:latin typeface=""/>
+              </a:rPr>
+              <a:t>с</a:t>
+            </a:r>
+            <a:r>
+              <a:rPr sz="6000" spc="-80" dirty="0" err="1">
+                <a:solidFill>
+                  <a:schemeClr val="tx1"/>
+                </a:solidFill>
+                <a:latin typeface=""/>
+              </a:rPr>
+              <a:t>ификатор</a:t>
+            </a:r>
+            <a:r>
+              <a:rPr lang="ru-RU" sz="6000" spc="-80" dirty="0">
+                <a:solidFill>
+                  <a:schemeClr val="tx1"/>
+                </a:solidFill>
+                <a:latin typeface=""/>
+              </a:rPr>
+              <a:t> для </a:t>
+            </a:r>
+            <a:r>
+              <a:rPr lang="ru-RU" sz="6000" spc="-80" dirty="0" err="1">
+                <a:solidFill>
+                  <a:schemeClr val="tx1"/>
+                </a:solidFill>
+                <a:latin typeface=""/>
+              </a:rPr>
+              <a:t>валидации</a:t>
+            </a:r>
+            <a:r>
+              <a:rPr lang="ru-RU" sz="6000" spc="-80" dirty="0">
+                <a:solidFill>
+                  <a:schemeClr val="tx1"/>
+                </a:solidFill>
+                <a:latin typeface=""/>
+              </a:rPr>
+              <a:t> данных об организации</a:t>
             </a:r>
             <a:endParaRPr sz="6000" dirty="0">
               <a:solidFill>
